--- a/Info/01_howtoUseTools.pptx
+++ b/Info/01_howtoUseTools.pptx
@@ -247,7 +247,7 @@
             <a:fld id="{06EAAA8B-8A33-714F-B3A4-08A75FDC36E6}" type="datetimeFigureOut">
               <a:rPr lang="en-US" smtClean="0"/>
               <a:pPr/>
-              <a:t>1/17/20</a:t>
+              <a:t>10/7/20</a:t>
             </a:fld>
             <a:endParaRPr lang="en-US"/>
           </a:p>
@@ -314,7 +314,7 @@
             <a:fld id="{31B43DBC-F9BC-3749-A699-79D58F96D20F}" type="slidenum">
               <a:rPr lang="en-US" smtClean="0"/>
               <a:pPr/>
-              <a:t>‹Nº›</a:t>
+              <a:t>‹#›</a:t>
             </a:fld>
             <a:endParaRPr lang="en-US"/>
           </a:p>
@@ -414,7 +414,7 @@
             <a:fld id="{050F0499-AE52-4672-879B-3107B2FC2A9F}" type="datetimeFigureOut">
               <a:rPr lang="ko-KR" altLang="en-US" smtClean="0"/>
               <a:pPr/>
-              <a:t>2020. 1. 17.</a:t>
+              <a:t>2020. 10. 7.</a:t>
             </a:fld>
             <a:endParaRPr lang="ko-KR" altLang="en-US"/>
           </a:p>
@@ -514,7 +514,7 @@
             <a:fld id="{E9CED1A8-8C93-4BD0-9402-1D92621696DA}" type="slidenum">
               <a:rPr lang="ko-KR" altLang="en-US" smtClean="0"/>
               <a:pPr/>
-              <a:t>‹Nº›</a:t>
+              <a:t>‹#›</a:t>
             </a:fld>
             <a:endParaRPr lang="ko-KR" altLang="en-US"/>
           </a:p>
@@ -1281,7 +1281,7 @@
               <a:pPr>
                 <a:defRPr/>
               </a:pPr>
-              <a:t>‹Nº›</a:t>
+              <a:t>‹#›</a:t>
             </a:fld>
             <a:r>
               <a:rPr lang="en-US" altLang="ko-KR"/>
@@ -1609,7 +1609,7 @@
               <a:pPr>
                 <a:defRPr/>
               </a:pPr>
-              <a:t>‹Nº›</a:t>
+              <a:t>‹#›</a:t>
             </a:fld>
             <a:r>
               <a:rPr lang="en-US" altLang="ko-KR">
@@ -2115,7 +2115,7 @@
                 </a:spcAft>
                 <a:defRPr/>
               </a:pPr>
-              <a:t>‹Nº›</a:t>
+              <a:t>‹#›</a:t>
             </a:fld>
             <a:endParaRPr kumimoji="1" lang="en-US" altLang="ko-KR">
               <a:solidFill>
@@ -3229,18 +3229,9 @@
           <a:lstStyle/>
           <a:p>
             <a:r>
-              <a:rPr lang="es-ES" dirty="0" err="1"/>
-              <a:t>Install</a:t>
-            </a:r>
-            <a:r>
-              <a:rPr lang="es-ES" dirty="0"/>
-              <a:t> </a:t>
-            </a:r>
-            <a:r>
-              <a:rPr lang="es-ES" dirty="0" err="1"/>
-              <a:t>procedure</a:t>
-            </a:r>
-            <a:endParaRPr lang="es-ES" dirty="0"/>
+              <a:rPr lang="en-US"/>
+              <a:t>Install procedure</a:t>
+            </a:r>
           </a:p>
         </p:txBody>
       </p:sp>
@@ -3266,83 +3257,43 @@
           <a:lstStyle/>
           <a:p>
             <a:r>
-              <a:rPr lang="es-ES" dirty="0" err="1"/>
-              <a:t>Install</a:t>
-            </a:r>
-            <a:r>
-              <a:rPr lang="es-ES" dirty="0"/>
-              <a:t> </a:t>
-            </a:r>
-            <a:r>
-              <a:rPr lang="es-ES" dirty="0" err="1"/>
-              <a:t>Remote</a:t>
-            </a:r>
-            <a:r>
-              <a:rPr lang="es-ES" dirty="0"/>
-              <a:t> </a:t>
-            </a:r>
-            <a:r>
-              <a:rPr lang="es-ES" dirty="0" err="1"/>
-              <a:t>developmne</a:t>
-            </a:r>
-            <a:r>
-              <a:rPr lang="es-ES" dirty="0"/>
-              <a:t> tolos in VSC</a:t>
-            </a:r>
-          </a:p>
-          <a:p>
-            <a:endParaRPr lang="es-ES" dirty="0"/>
-          </a:p>
-          <a:p>
-            <a:endParaRPr lang="es-ES" dirty="0"/>
-          </a:p>
-          <a:p>
-            <a:r>
-              <a:rPr lang="es-ES" dirty="0"/>
-              <a:t>Capture </a:t>
-            </a:r>
-            <a:r>
-              <a:rPr lang="es-ES" dirty="0" err="1"/>
-              <a:t>vagrant</a:t>
-            </a:r>
-            <a:r>
-              <a:rPr lang="es-ES" dirty="0"/>
-              <a:t> </a:t>
-            </a:r>
-            <a:r>
-              <a:rPr lang="es-ES" dirty="0" err="1"/>
-              <a:t>config</a:t>
-            </a:r>
-            <a:r>
-              <a:rPr lang="es-ES" dirty="0"/>
-              <a:t> </a:t>
-            </a:r>
-          </a:p>
-          <a:p>
-            <a:endParaRPr lang="es-ES" dirty="0"/>
-          </a:p>
-          <a:p>
-            <a:endParaRPr lang="es-ES" dirty="0"/>
-          </a:p>
-          <a:p>
-            <a:endParaRPr lang="es-ES" dirty="0"/>
-          </a:p>
-          <a:p>
-            <a:r>
-              <a:rPr lang="es-ES" dirty="0" err="1"/>
-              <a:t>Import</a:t>
-            </a:r>
-            <a:r>
-              <a:rPr lang="es-ES" dirty="0"/>
-              <a:t> file </a:t>
-            </a:r>
-            <a:r>
-              <a:rPr lang="es-ES" dirty="0" err="1"/>
-              <a:t>into</a:t>
-            </a:r>
-            <a:r>
-              <a:rPr lang="es-ES" dirty="0"/>
-              <a:t> VSC (F1)</a:t>
+              <a:rPr lang="en-US" dirty="0"/>
+              <a:t>Install Remote development tools in VSC</a:t>
+            </a:r>
+          </a:p>
+          <a:p>
+            <a:pPr lvl="1"/>
+            <a:r>
+              <a:rPr lang="en-US" dirty="0"/>
+              <a:t>Remote development</a:t>
+            </a:r>
+          </a:p>
+          <a:p>
+            <a:pPr lvl="1"/>
+            <a:r>
+              <a:rPr lang="en-US" dirty="0"/>
+              <a:t>Remote SSH</a:t>
+            </a:r>
+          </a:p>
+          <a:p>
+            <a:r>
+              <a:rPr lang="en-US" dirty="0"/>
+              <a:t>Capture vagrant conf</a:t>
+            </a:r>
+          </a:p>
+          <a:p>
+            <a:endParaRPr lang="en-US" dirty="0"/>
+          </a:p>
+          <a:p>
+            <a:endParaRPr lang="en-US" dirty="0"/>
+          </a:p>
+          <a:p>
+            <a:endParaRPr lang="en-US" dirty="0"/>
+          </a:p>
+          <a:p>
+            <a:r>
+              <a:rPr lang="en-US" dirty="0"/>
+              <a:t>Import file into VSC (F1)</a:t>
             </a:r>
           </a:p>
         </p:txBody>
@@ -3507,8 +3458,8 @@
         </p:blipFill>
         <p:spPr>
           <a:xfrm>
-            <a:off x="567418" y="3046342"/>
-            <a:ext cx="5504770" cy="1229460"/>
+            <a:off x="0" y="2891018"/>
+            <a:ext cx="6895662" cy="1540108"/>
           </a:xfrm>
           <a:prstGeom prst="rect">
             <a:avLst/>
@@ -3536,9 +3487,9 @@
           </a:stretch>
         </p:blipFill>
         <p:spPr>
-          <a:xfrm flipV="1">
-            <a:off x="919503" y="5292772"/>
-            <a:ext cx="4800599" cy="826593"/>
+          <a:xfrm>
+            <a:off x="1190406" y="4982430"/>
+            <a:ext cx="4800599" cy="835800"/>
           </a:xfrm>
           <a:prstGeom prst="rect">
             <a:avLst/>

--- a/Info/01_howtoUseTools.pptx
+++ b/Info/01_howtoUseTools.pptx
@@ -247,7 +247,7 @@
             <a:fld id="{06EAAA8B-8A33-714F-B3A4-08A75FDC36E6}" type="datetimeFigureOut">
               <a:rPr lang="en-US" smtClean="0"/>
               <a:pPr/>
-              <a:t>10/7/20</a:t>
+              <a:t>9/20/21</a:t>
             </a:fld>
             <a:endParaRPr lang="en-US"/>
           </a:p>
@@ -314,7 +314,7 @@
             <a:fld id="{31B43DBC-F9BC-3749-A699-79D58F96D20F}" type="slidenum">
               <a:rPr lang="en-US" smtClean="0"/>
               <a:pPr/>
-              <a:t>‹#›</a:t>
+              <a:t>‹Nº›</a:t>
             </a:fld>
             <a:endParaRPr lang="en-US"/>
           </a:p>
@@ -414,7 +414,7 @@
             <a:fld id="{050F0499-AE52-4672-879B-3107B2FC2A9F}" type="datetimeFigureOut">
               <a:rPr lang="ko-KR" altLang="en-US" smtClean="0"/>
               <a:pPr/>
-              <a:t>2020. 10. 7.</a:t>
+              <a:t>2021. 9. 20.</a:t>
             </a:fld>
             <a:endParaRPr lang="ko-KR" altLang="en-US"/>
           </a:p>
@@ -514,7 +514,7 @@
             <a:fld id="{E9CED1A8-8C93-4BD0-9402-1D92621696DA}" type="slidenum">
               <a:rPr lang="ko-KR" altLang="en-US" smtClean="0"/>
               <a:pPr/>
-              <a:t>‹#›</a:t>
+              <a:t>‹Nº›</a:t>
             </a:fld>
             <a:endParaRPr lang="ko-KR" altLang="en-US"/>
           </a:p>
@@ -1281,7 +1281,7 @@
               <a:pPr>
                 <a:defRPr/>
               </a:pPr>
-              <a:t>‹#›</a:t>
+              <a:t>‹Nº›</a:t>
             </a:fld>
             <a:r>
               <a:rPr lang="en-US" altLang="ko-KR"/>
@@ -1609,7 +1609,7 @@
               <a:pPr>
                 <a:defRPr/>
               </a:pPr>
-              <a:t>‹#›</a:t>
+              <a:t>‹Nº›</a:t>
             </a:fld>
             <a:r>
               <a:rPr lang="en-US" altLang="ko-KR">
@@ -2115,7 +2115,7 @@
                 </a:spcAft>
                 <a:defRPr/>
               </a:pPr>
-              <a:t>‹#›</a:t>
+              <a:t>‹Nº›</a:t>
             </a:fld>
             <a:endParaRPr kumimoji="1" lang="en-US" altLang="ko-KR">
               <a:solidFill>
@@ -3278,7 +3278,7 @@
           <a:p>
             <a:r>
               <a:rPr lang="en-US" dirty="0"/>
-              <a:t>Capture vagrant conf</a:t>
+              <a:t>Capture vagrant conf (in windows generate noise)</a:t>
             </a:r>
           </a:p>
           <a:p>
@@ -3428,7 +3428,7 @@
         </p:blipFill>
         <p:spPr>
           <a:xfrm>
-            <a:off x="6583815" y="822520"/>
+            <a:off x="6869566" y="880069"/>
             <a:ext cx="2345872" cy="4691743"/>
           </a:xfrm>
           <a:prstGeom prst="rect">
@@ -4203,6 +4203,18 @@
           <a:lstStyle/>
           <a:p>
             <a:r>
+              <a:rPr lang="es-ES" dirty="0"/>
+              <a:t>.</a:t>
+            </a:r>
+            <a:r>
+              <a:rPr lang="es-ES" dirty="0" err="1"/>
+              <a:t>vscode</a:t>
+            </a:r>
+            <a:r>
+              <a:rPr lang="es-ES" dirty="0"/>
+              <a:t>/</a:t>
+            </a:r>
+            <a:r>
               <a:rPr lang="es-ES" dirty="0" err="1"/>
               <a:t>Debug</a:t>
             </a:r>
@@ -4213,6 +4225,42 @@
             <a:r>
               <a:rPr lang="es-ES" dirty="0" err="1"/>
               <a:t>json</a:t>
+            </a:r>
+            <a:r>
+              <a:rPr lang="es-ES" dirty="0"/>
+              <a:t> (place </a:t>
+            </a:r>
+            <a:r>
+              <a:rPr lang="es-ES" dirty="0" err="1"/>
+              <a:t>always</a:t>
+            </a:r>
+            <a:r>
+              <a:rPr lang="es-ES" dirty="0"/>
+              <a:t> </a:t>
+            </a:r>
+            <a:r>
+              <a:rPr lang="es-ES" dirty="0" err="1"/>
+              <a:t>the</a:t>
+            </a:r>
+            <a:r>
+              <a:rPr lang="es-ES" dirty="0"/>
+              <a:t> </a:t>
+            </a:r>
+            <a:r>
+              <a:rPr lang="es-ES" dirty="0" err="1"/>
+              <a:t>worksplace</a:t>
+            </a:r>
+            <a:r>
+              <a:rPr lang="es-ES" dirty="0"/>
+              <a:t> in PXX </a:t>
+            </a:r>
+            <a:r>
+              <a:rPr lang="es-ES" dirty="0" err="1"/>
+              <a:t>dir</a:t>
+            </a:r>
+            <a:r>
+              <a:rPr lang="es-ES"/>
+              <a:t>)</a:t>
             </a:r>
             <a:endParaRPr lang="es-ES" dirty="0"/>
           </a:p>
@@ -4255,7 +4303,15 @@
             </a:pPr>
             <a:r>
               <a:rPr lang="es-ES" dirty="0"/>
-              <a:t>      {</a:t>
+              <a:t>     </a:t>
+            </a:r>
+            <a:r>
+              <a:rPr lang="es-ES" dirty="0">
+                <a:solidFill>
+                  <a:schemeClr val="accent2"/>
+                </a:solidFill>
+              </a:rPr>
+              <a:t> {</a:t>
             </a:r>
           </a:p>
           <a:p>
@@ -4263,15 +4319,27 @@
               <a:buNone/>
             </a:pPr>
             <a:r>
-              <a:rPr lang="es-ES" dirty="0"/>
+              <a:rPr lang="es-ES" dirty="0">
+                <a:solidFill>
+                  <a:schemeClr val="accent2"/>
+                </a:solidFill>
+              </a:rPr>
               <a:t>        "</a:t>
             </a:r>
             <a:r>
-              <a:rPr lang="es-ES" dirty="0" err="1"/>
+              <a:rPr lang="es-ES" dirty="0" err="1">
+                <a:solidFill>
+                  <a:schemeClr val="accent2"/>
+                </a:solidFill>
+              </a:rPr>
               <a:t>version</a:t>
             </a:r>
             <a:r>
-              <a:rPr lang="es-ES" dirty="0"/>
+              <a:rPr lang="es-ES" dirty="0">
+                <a:solidFill>
+                  <a:schemeClr val="accent2"/>
+                </a:solidFill>
+              </a:rPr>
               <a:t>": "0.2.0",</a:t>
             </a:r>
           </a:p>
@@ -4280,15 +4348,27 @@
               <a:buNone/>
             </a:pPr>
             <a:r>
-              <a:rPr lang="es-ES" dirty="0"/>
+              <a:rPr lang="es-ES" dirty="0">
+                <a:solidFill>
+                  <a:schemeClr val="accent2"/>
+                </a:solidFill>
+              </a:rPr>
               <a:t>        "</a:t>
             </a:r>
             <a:r>
-              <a:rPr lang="es-ES" dirty="0" err="1"/>
+              <a:rPr lang="es-ES" dirty="0" err="1">
+                <a:solidFill>
+                  <a:schemeClr val="accent2"/>
+                </a:solidFill>
+              </a:rPr>
               <a:t>configurations</a:t>
             </a:r>
             <a:r>
-              <a:rPr lang="es-ES" dirty="0"/>
+              <a:rPr lang="es-ES" dirty="0">
+                <a:solidFill>
+                  <a:schemeClr val="accent2"/>
+                </a:solidFill>
+              </a:rPr>
               <a:t>": [</a:t>
             </a:r>
           </a:p>
@@ -4405,12 +4485,8 @@
               <a:buNone/>
             </a:pPr>
             <a:r>
-              <a:rPr lang="es-ES" dirty="0"/>
-              <a:t>       </a:t>
-            </a:r>
-            <a:r>
               <a:rPr lang="es-ES" b="1" dirty="0"/>
-              <a:t>     "</a:t>
+              <a:t>             "</a:t>
             </a:r>
             <a:r>
               <a:rPr lang="es-ES" b="1" dirty="0" err="1"/>
@@ -4426,15 +4502,7 @@
             </a:r>
             <a:r>
               <a:rPr lang="es-ES" b="1" dirty="0"/>
-              <a:t>}/</a:t>
-            </a:r>
-            <a:r>
-              <a:rPr lang="es-ES" b="1" dirty="0" err="1"/>
-              <a:t>Lab</a:t>
-            </a:r>
-            <a:r>
-              <a:rPr lang="es-ES" b="1" dirty="0"/>
-              <a:t>/xv6/xv6-wisc/</a:t>
+              <a:t>}/xv6/</a:t>
             </a:r>
             <a:r>
               <a:rPr lang="es-ES" b="1" dirty="0" err="1"/>
@@ -4450,7 +4518,7 @@
             </a:r>
             <a:r>
               <a:rPr lang="es-ES" b="1" dirty="0"/>
-              <a:t>",</a:t>
+              <a:t>", </a:t>
             </a:r>
           </a:p>
           <a:p>
@@ -4722,7 +4790,15 @@
             </a:pPr>
             <a:r>
               <a:rPr lang="es-ES" dirty="0"/>
-              <a:t>          }</a:t>
+              <a:t>     </a:t>
+            </a:r>
+            <a:r>
+              <a:rPr lang="es-ES" dirty="0">
+                <a:solidFill>
+                  <a:schemeClr val="accent2"/>
+                </a:solidFill>
+              </a:rPr>
+              <a:t>     }</a:t>
             </a:r>
           </a:p>
           <a:p>
@@ -4730,7 +4806,11 @@
               <a:buNone/>
             </a:pPr>
             <a:r>
-              <a:rPr lang="es-ES" dirty="0"/>
+              <a:rPr lang="es-ES" dirty="0">
+                <a:solidFill>
+                  <a:schemeClr val="accent2"/>
+                </a:solidFill>
+              </a:rPr>
               <a:t>        ]</a:t>
             </a:r>
           </a:p>
@@ -4739,7 +4819,11 @@
               <a:buNone/>
             </a:pPr>
             <a:r>
-              <a:rPr lang="es-ES" dirty="0"/>
+              <a:rPr lang="es-ES" dirty="0">
+                <a:solidFill>
+                  <a:schemeClr val="accent2"/>
+                </a:solidFill>
+              </a:rPr>
               <a:t>      }</a:t>
             </a:r>
           </a:p>
